--- a/Week-10/React/React-Hooks.pptx
+++ b/Week-10/React/React-Hooks.pptx
@@ -222,7 +222,7 @@
             <a:fld id="{B13155C5-DA3C-4C88-9DA1-9BFC3AECD68D}" type="datetimeFigureOut">
               <a:rPr lang="en-US" smtClean="0"/>
               <a:pPr/>
-              <a:t>8/3/2025</a:t>
+              <a:t>8/7/2025</a:t>
             </a:fld>
             <a:endParaRPr lang="en-US"/>
           </a:p>
@@ -672,7 +672,7 @@
             <a:fld id="{1D8BD707-D9CF-40AE-B4C6-C98DA3205C09}" type="datetimeFigureOut">
               <a:rPr lang="en-US" smtClean="0"/>
               <a:pPr/>
-              <a:t>8/3/2025</a:t>
+              <a:t>8/7/2025</a:t>
             </a:fld>
             <a:endParaRPr lang="en-US"/>
           </a:p>
@@ -840,7 +840,7 @@
             <a:fld id="{1D8BD707-D9CF-40AE-B4C6-C98DA3205C09}" type="datetimeFigureOut">
               <a:rPr lang="en-US" smtClean="0"/>
               <a:pPr/>
-              <a:t>8/3/2025</a:t>
+              <a:t>8/7/2025</a:t>
             </a:fld>
             <a:endParaRPr lang="en-US"/>
           </a:p>
@@ -1018,7 +1018,7 @@
             <a:fld id="{1D8BD707-D9CF-40AE-B4C6-C98DA3205C09}" type="datetimeFigureOut">
               <a:rPr lang="en-US" smtClean="0"/>
               <a:pPr/>
-              <a:t>8/3/2025</a:t>
+              <a:t>8/7/2025</a:t>
             </a:fld>
             <a:endParaRPr lang="en-US"/>
           </a:p>
@@ -1186,7 +1186,7 @@
             <a:fld id="{1D8BD707-D9CF-40AE-B4C6-C98DA3205C09}" type="datetimeFigureOut">
               <a:rPr lang="en-US" smtClean="0"/>
               <a:pPr/>
-              <a:t>8/3/2025</a:t>
+              <a:t>8/7/2025</a:t>
             </a:fld>
             <a:endParaRPr lang="en-US"/>
           </a:p>
@@ -1431,7 +1431,7 @@
             <a:fld id="{1D8BD707-D9CF-40AE-B4C6-C98DA3205C09}" type="datetimeFigureOut">
               <a:rPr lang="en-US" smtClean="0"/>
               <a:pPr/>
-              <a:t>8/3/2025</a:t>
+              <a:t>8/7/2025</a:t>
             </a:fld>
             <a:endParaRPr lang="en-US"/>
           </a:p>
@@ -1716,7 +1716,7 @@
             <a:fld id="{1D8BD707-D9CF-40AE-B4C6-C98DA3205C09}" type="datetimeFigureOut">
               <a:rPr lang="en-US" smtClean="0"/>
               <a:pPr/>
-              <a:t>8/3/2025</a:t>
+              <a:t>8/7/2025</a:t>
             </a:fld>
             <a:endParaRPr lang="en-US"/>
           </a:p>
@@ -2135,7 +2135,7 @@
             <a:fld id="{1D8BD707-D9CF-40AE-B4C6-C98DA3205C09}" type="datetimeFigureOut">
               <a:rPr lang="en-US" smtClean="0"/>
               <a:pPr/>
-              <a:t>8/3/2025</a:t>
+              <a:t>8/7/2025</a:t>
             </a:fld>
             <a:endParaRPr lang="en-US"/>
           </a:p>
@@ -2252,7 +2252,7 @@
             <a:fld id="{1D8BD707-D9CF-40AE-B4C6-C98DA3205C09}" type="datetimeFigureOut">
               <a:rPr lang="en-US" smtClean="0"/>
               <a:pPr/>
-              <a:t>8/3/2025</a:t>
+              <a:t>8/7/2025</a:t>
             </a:fld>
             <a:endParaRPr lang="en-US"/>
           </a:p>
@@ -2347,7 +2347,7 @@
             <a:fld id="{1D8BD707-D9CF-40AE-B4C6-C98DA3205C09}" type="datetimeFigureOut">
               <a:rPr lang="en-US" smtClean="0"/>
               <a:pPr/>
-              <a:t>8/3/2025</a:t>
+              <a:t>8/7/2025</a:t>
             </a:fld>
             <a:endParaRPr lang="en-US"/>
           </a:p>
@@ -2622,7 +2622,7 @@
             <a:fld id="{1D8BD707-D9CF-40AE-B4C6-C98DA3205C09}" type="datetimeFigureOut">
               <a:rPr lang="en-US" smtClean="0"/>
               <a:pPr/>
-              <a:t>8/3/2025</a:t>
+              <a:t>8/7/2025</a:t>
             </a:fld>
             <a:endParaRPr lang="en-US"/>
           </a:p>
@@ -2874,7 +2874,7 @@
             <a:fld id="{1D8BD707-D9CF-40AE-B4C6-C98DA3205C09}" type="datetimeFigureOut">
               <a:rPr lang="en-US" smtClean="0"/>
               <a:pPr/>
-              <a:t>8/3/2025</a:t>
+              <a:t>8/7/2025</a:t>
             </a:fld>
             <a:endParaRPr lang="en-US"/>
           </a:p>
@@ -3085,7 +3085,7 @@
             <a:fld id="{1D8BD707-D9CF-40AE-B4C6-C98DA3205C09}" type="datetimeFigureOut">
               <a:rPr lang="en-US" smtClean="0"/>
               <a:pPr/>
-              <a:t>8/3/2025</a:t>
+              <a:t>8/7/2025</a:t>
             </a:fld>
             <a:endParaRPr lang="en-US"/>
           </a:p>
@@ -4623,6 +4623,80 @@
               </a:rPr>
               <a:t>The useRef is a hook that allows to directly create a reference to the DOM element in the functional component.</a:t>
             </a:r>
+          </a:p>
+          <a:p>
+            <a:pPr marL="457200" indent="-457200">
+              <a:spcAft>
+                <a:spcPts val="1200"/>
+              </a:spcAft>
+              <a:buFont typeface="Wingdings" pitchFamily="2" charset="2"/>
+              <a:buChar char="§"/>
+            </a:pPr>
+            <a:r>
+              <a:rPr lang="en-US" sz="2000" dirty="0">
+                <a:solidFill>
+                  <a:schemeClr val="tx1">
+                    <a:lumMod val="65000"/>
+                    <a:lumOff val="35000"/>
+                  </a:schemeClr>
+                </a:solidFill>
+                <a:latin typeface="Arial" pitchFamily="34" charset="0"/>
+                <a:cs typeface="Arial" pitchFamily="34" charset="0"/>
+              </a:rPr>
+              <a:t>The </a:t>
+            </a:r>
+            <a:r>
+              <a:rPr lang="en-US" sz="2000" dirty="0" err="1">
+                <a:solidFill>
+                  <a:schemeClr val="tx1">
+                    <a:lumMod val="65000"/>
+                    <a:lumOff val="35000"/>
+                  </a:schemeClr>
+                </a:solidFill>
+                <a:latin typeface="Arial" pitchFamily="34" charset="0"/>
+                <a:cs typeface="Arial" pitchFamily="34" charset="0"/>
+              </a:rPr>
+              <a:t>useRef</a:t>
+            </a:r>
+            <a:r>
+              <a:rPr lang="en-US" sz="2000" dirty="0">
+                <a:solidFill>
+                  <a:schemeClr val="tx1">
+                    <a:lumMod val="65000"/>
+                    <a:lumOff val="35000"/>
+                  </a:schemeClr>
+                </a:solidFill>
+                <a:latin typeface="Arial" pitchFamily="34" charset="0"/>
+                <a:cs typeface="Arial" pitchFamily="34" charset="0"/>
+              </a:rPr>
+              <a:t> </a:t>
+            </a:r>
+            <a:r>
+              <a:rPr lang="en-US" sz="2000" b="1" dirty="0"/>
+              <a:t>Create a reference</a:t>
+            </a:r>
+            <a:r>
+              <a:rPr lang="en-US" sz="2000" dirty="0"/>
+              <a:t> to a </a:t>
+            </a:r>
+            <a:r>
+              <a:rPr lang="en-US" sz="2000" b="1" dirty="0"/>
+              <a:t>DOM element</a:t>
+            </a:r>
+            <a:r>
+              <a:rPr lang="en-US" sz="2000" dirty="0"/>
+              <a:t> (like an input).</a:t>
+            </a:r>
+            <a:endParaRPr lang="en-US" sz="2000" dirty="0">
+              <a:solidFill>
+                <a:schemeClr val="tx1">
+                  <a:lumMod val="65000"/>
+                  <a:lumOff val="35000"/>
+                </a:schemeClr>
+              </a:solidFill>
+              <a:latin typeface="Arial" pitchFamily="34" charset="0"/>
+              <a:cs typeface="Arial" pitchFamily="34" charset="0"/>
+            </a:endParaRPr>
           </a:p>
           <a:p>
             <a:pPr marL="457200" indent="-457200">

--- a/Week-10/React/React-Hooks.pptx
+++ b/Week-10/React/React-Hooks.pptx
@@ -222,7 +222,7 @@
             <a:fld id="{B13155C5-DA3C-4C88-9DA1-9BFC3AECD68D}" type="datetimeFigureOut">
               <a:rPr lang="en-US" smtClean="0"/>
               <a:pPr/>
-              <a:t>8/7/2025</a:t>
+              <a:t>8/9/2025</a:t>
             </a:fld>
             <a:endParaRPr lang="en-US"/>
           </a:p>
@@ -672,7 +672,7 @@
             <a:fld id="{1D8BD707-D9CF-40AE-B4C6-C98DA3205C09}" type="datetimeFigureOut">
               <a:rPr lang="en-US" smtClean="0"/>
               <a:pPr/>
-              <a:t>8/7/2025</a:t>
+              <a:t>8/9/2025</a:t>
             </a:fld>
             <a:endParaRPr lang="en-US"/>
           </a:p>
@@ -840,7 +840,7 @@
             <a:fld id="{1D8BD707-D9CF-40AE-B4C6-C98DA3205C09}" type="datetimeFigureOut">
               <a:rPr lang="en-US" smtClean="0"/>
               <a:pPr/>
-              <a:t>8/7/2025</a:t>
+              <a:t>8/9/2025</a:t>
             </a:fld>
             <a:endParaRPr lang="en-US"/>
           </a:p>
@@ -1018,7 +1018,7 @@
             <a:fld id="{1D8BD707-D9CF-40AE-B4C6-C98DA3205C09}" type="datetimeFigureOut">
               <a:rPr lang="en-US" smtClean="0"/>
               <a:pPr/>
-              <a:t>8/7/2025</a:t>
+              <a:t>8/9/2025</a:t>
             </a:fld>
             <a:endParaRPr lang="en-US"/>
           </a:p>
@@ -1186,7 +1186,7 @@
             <a:fld id="{1D8BD707-D9CF-40AE-B4C6-C98DA3205C09}" type="datetimeFigureOut">
               <a:rPr lang="en-US" smtClean="0"/>
               <a:pPr/>
-              <a:t>8/7/2025</a:t>
+              <a:t>8/9/2025</a:t>
             </a:fld>
             <a:endParaRPr lang="en-US"/>
           </a:p>
@@ -1431,7 +1431,7 @@
             <a:fld id="{1D8BD707-D9CF-40AE-B4C6-C98DA3205C09}" type="datetimeFigureOut">
               <a:rPr lang="en-US" smtClean="0"/>
               <a:pPr/>
-              <a:t>8/7/2025</a:t>
+              <a:t>8/9/2025</a:t>
             </a:fld>
             <a:endParaRPr lang="en-US"/>
           </a:p>
@@ -1716,7 +1716,7 @@
             <a:fld id="{1D8BD707-D9CF-40AE-B4C6-C98DA3205C09}" type="datetimeFigureOut">
               <a:rPr lang="en-US" smtClean="0"/>
               <a:pPr/>
-              <a:t>8/7/2025</a:t>
+              <a:t>8/9/2025</a:t>
             </a:fld>
             <a:endParaRPr lang="en-US"/>
           </a:p>
@@ -2135,7 +2135,7 @@
             <a:fld id="{1D8BD707-D9CF-40AE-B4C6-C98DA3205C09}" type="datetimeFigureOut">
               <a:rPr lang="en-US" smtClean="0"/>
               <a:pPr/>
-              <a:t>8/7/2025</a:t>
+              <a:t>8/9/2025</a:t>
             </a:fld>
             <a:endParaRPr lang="en-US"/>
           </a:p>
@@ -2252,7 +2252,7 @@
             <a:fld id="{1D8BD707-D9CF-40AE-B4C6-C98DA3205C09}" type="datetimeFigureOut">
               <a:rPr lang="en-US" smtClean="0"/>
               <a:pPr/>
-              <a:t>8/7/2025</a:t>
+              <a:t>8/9/2025</a:t>
             </a:fld>
             <a:endParaRPr lang="en-US"/>
           </a:p>
@@ -2347,7 +2347,7 @@
             <a:fld id="{1D8BD707-D9CF-40AE-B4C6-C98DA3205C09}" type="datetimeFigureOut">
               <a:rPr lang="en-US" smtClean="0"/>
               <a:pPr/>
-              <a:t>8/7/2025</a:t>
+              <a:t>8/9/2025</a:t>
             </a:fld>
             <a:endParaRPr lang="en-US"/>
           </a:p>
@@ -2622,7 +2622,7 @@
             <a:fld id="{1D8BD707-D9CF-40AE-B4C6-C98DA3205C09}" type="datetimeFigureOut">
               <a:rPr lang="en-US" smtClean="0"/>
               <a:pPr/>
-              <a:t>8/7/2025</a:t>
+              <a:t>8/9/2025</a:t>
             </a:fld>
             <a:endParaRPr lang="en-US"/>
           </a:p>
@@ -2874,7 +2874,7 @@
             <a:fld id="{1D8BD707-D9CF-40AE-B4C6-C98DA3205C09}" type="datetimeFigureOut">
               <a:rPr lang="en-US" smtClean="0"/>
               <a:pPr/>
-              <a:t>8/7/2025</a:t>
+              <a:t>8/9/2025</a:t>
             </a:fld>
             <a:endParaRPr lang="en-US"/>
           </a:p>
@@ -3085,7 +3085,7 @@
             <a:fld id="{1D8BD707-D9CF-40AE-B4C6-C98DA3205C09}" type="datetimeFigureOut">
               <a:rPr lang="en-US" smtClean="0"/>
               <a:pPr/>
-              <a:t>8/7/2025</a:t>
+              <a:t>8/9/2025</a:t>
             </a:fld>
             <a:endParaRPr lang="en-US"/>
           </a:p>
@@ -4281,7 +4281,7 @@
               <a:rPr lang="en-US" sz="2700" dirty="0">
                 <a:latin typeface="Berlin Sans FB Demi" pitchFamily="34" charset="0"/>
               </a:rPr>
-              <a:t>Purpose of </a:t>
+              <a:t>Key Points </a:t>
             </a:r>
             <a:r>
               <a:rPr lang="en-US" sz="2700" dirty="0" err="1">
@@ -4318,179 +4318,11 @@
           </a:bodyPr>
           <a:lstStyle/>
           <a:p>
-            <a:pPr marL="457200" indent="-457200">
-              <a:spcAft>
-                <a:spcPts val="1200"/>
-              </a:spcAft>
-              <a:buFont typeface="Wingdings" pitchFamily="2" charset="2"/>
-              <a:buChar char="§"/>
-            </a:pPr>
-            <a:r>
-              <a:rPr lang="en-US" sz="2000" dirty="0">
-                <a:solidFill>
-                  <a:schemeClr val="tx1">
-                    <a:lumMod val="65000"/>
-                    <a:lumOff val="35000"/>
-                  </a:schemeClr>
-                </a:solidFill>
-                <a:latin typeface="Arial" pitchFamily="34" charset="0"/>
-                <a:cs typeface="Arial" pitchFamily="34" charset="0"/>
-              </a:rPr>
-              <a:t>Cleaner Component Structure:</a:t>
-            </a:r>
-          </a:p>
-          <a:p>
-            <a:pPr marL="457200" indent="-457200">
-              <a:spcAft>
-                <a:spcPts val="1200"/>
-              </a:spcAft>
-              <a:buFont typeface="Wingdings" pitchFamily="2" charset="2"/>
-              <a:buChar char="§"/>
-            </a:pPr>
-            <a:r>
-              <a:rPr lang="en-US" sz="2000" dirty="0">
-                <a:solidFill>
-                  <a:schemeClr val="tx1">
-                    <a:lumMod val="65000"/>
-                    <a:lumOff val="35000"/>
-                  </a:schemeClr>
-                </a:solidFill>
-                <a:latin typeface="Arial" pitchFamily="34" charset="0"/>
-                <a:cs typeface="Arial" pitchFamily="34" charset="0"/>
-              </a:rPr>
-              <a:t>By using </a:t>
-            </a:r>
-            <a:r>
-              <a:rPr lang="en-US" sz="2000" dirty="0" err="1">
-                <a:solidFill>
-                  <a:schemeClr val="tx1">
-                    <a:lumMod val="65000"/>
-                    <a:lumOff val="35000"/>
-                  </a:schemeClr>
-                </a:solidFill>
-                <a:latin typeface="Arial" pitchFamily="34" charset="0"/>
-                <a:cs typeface="Arial" pitchFamily="34" charset="0"/>
-              </a:rPr>
-              <a:t>useContext</a:t>
-            </a:r>
-            <a:r>
-              <a:rPr lang="en-US" sz="2000" dirty="0">
-                <a:solidFill>
-                  <a:schemeClr val="tx1">
-                    <a:lumMod val="65000"/>
-                    <a:lumOff val="35000"/>
-                  </a:schemeClr>
-                </a:solidFill>
-                <a:latin typeface="Arial" pitchFamily="34" charset="0"/>
-                <a:cs typeface="Arial" pitchFamily="34" charset="0"/>
-              </a:rPr>
-              <a:t>, you can keep your component tree cleaner and more readable by avoiding the clutter of passing props down through intermediary components.</a:t>
-            </a:r>
-          </a:p>
-          <a:p>
-            <a:pPr marL="457200" indent="-457200">
-              <a:spcAft>
-                <a:spcPts val="1200"/>
-              </a:spcAft>
-              <a:buFont typeface="Wingdings" pitchFamily="2" charset="2"/>
-              <a:buChar char="§"/>
-            </a:pPr>
-            <a:r>
-              <a:rPr lang="en-US" sz="2000" dirty="0">
-                <a:solidFill>
-                  <a:schemeClr val="tx1">
-                    <a:lumMod val="65000"/>
-                    <a:lumOff val="35000"/>
-                  </a:schemeClr>
-                </a:solidFill>
-                <a:latin typeface="Arial" pitchFamily="34" charset="0"/>
-                <a:cs typeface="Arial" pitchFamily="34" charset="0"/>
-              </a:rPr>
-              <a:t>Easy-to-Use API:</a:t>
-            </a:r>
-          </a:p>
-          <a:p>
-            <a:pPr marL="457200" indent="-457200">
-              <a:spcAft>
-                <a:spcPts val="1200"/>
-              </a:spcAft>
-              <a:buFont typeface="Wingdings" pitchFamily="2" charset="2"/>
-              <a:buChar char="§"/>
-            </a:pPr>
-            <a:r>
-              <a:rPr lang="en-US" sz="2000" dirty="0" err="1">
-                <a:solidFill>
-                  <a:schemeClr val="tx1">
-                    <a:lumMod val="65000"/>
-                    <a:lumOff val="35000"/>
-                  </a:schemeClr>
-                </a:solidFill>
-                <a:latin typeface="Arial" pitchFamily="34" charset="0"/>
-                <a:cs typeface="Arial" pitchFamily="34" charset="0"/>
-              </a:rPr>
-              <a:t>useContext</a:t>
-            </a:r>
-            <a:r>
-              <a:rPr lang="en-US" sz="2000" dirty="0">
-                <a:solidFill>
-                  <a:schemeClr val="tx1">
-                    <a:lumMod val="65000"/>
-                    <a:lumOff val="35000"/>
-                  </a:schemeClr>
-                </a:solidFill>
-                <a:latin typeface="Arial" pitchFamily="34" charset="0"/>
-                <a:cs typeface="Arial" pitchFamily="34" charset="0"/>
-              </a:rPr>
-              <a:t> provides a straightforward API for accessing context values within functional components, making it intuitive and easy to use.</a:t>
-            </a:r>
-          </a:p>
-          <a:p>
-            <a:pPr marL="457200" indent="-457200">
-              <a:spcAft>
-                <a:spcPts val="1200"/>
-              </a:spcAft>
-              <a:buFont typeface="Wingdings" pitchFamily="2" charset="2"/>
-              <a:buChar char="§"/>
-            </a:pPr>
-            <a:r>
-              <a:rPr lang="en-US" sz="2000" dirty="0">
-                <a:solidFill>
-                  <a:schemeClr val="tx1">
-                    <a:lumMod val="65000"/>
-                    <a:lumOff val="35000"/>
-                  </a:schemeClr>
-                </a:solidFill>
-                <a:latin typeface="Arial" pitchFamily="34" charset="0"/>
-                <a:cs typeface="Arial" pitchFamily="34" charset="0"/>
-              </a:rPr>
-              <a:t>'</a:t>
-            </a:r>
-            <a:r>
-              <a:rPr lang="en-US" sz="2000" dirty="0" err="1">
-                <a:solidFill>
-                  <a:schemeClr val="tx1">
-                    <a:lumMod val="65000"/>
-                    <a:lumOff val="35000"/>
-                  </a:schemeClr>
-                </a:solidFill>
-                <a:latin typeface="Arial" pitchFamily="34" charset="0"/>
-                <a:cs typeface="Arial" pitchFamily="34" charset="0"/>
-              </a:rPr>
-              <a:t>useContext</a:t>
-            </a:r>
-            <a:r>
-              <a:rPr lang="en-US" sz="2000">
-                <a:solidFill>
-                  <a:schemeClr val="tx1">
-                    <a:lumMod val="65000"/>
-                    <a:lumOff val="35000"/>
-                  </a:schemeClr>
-                </a:solidFill>
-                <a:latin typeface="Arial" pitchFamily="34" charset="0"/>
-                <a:cs typeface="Arial" pitchFamily="34" charset="0"/>
-              </a:rPr>
-              <a:t>' enhances the flexibility and scalability of your React applications by providing a convenient way to share and access global state or other shared data without the need for complex prop threading.</a:t>
-            </a:r>
+            <a:pPr>
+              <a:spcAft>
+                <a:spcPts val="1200"/>
+              </a:spcAft>
+            </a:pPr>
             <a:endParaRPr lang="en-US" sz="2000" dirty="0">
               <a:solidFill>
                 <a:schemeClr val="tx1">
@@ -4504,6 +4336,255 @@
           </a:p>
         </p:txBody>
       </p:sp>
+      <p:graphicFrame>
+        <p:nvGraphicFramePr>
+          <p:cNvPr id="2" name="Table 1">
+            <a:extLst>
+              <a:ext uri="{FF2B5EF4-FFF2-40B4-BE49-F238E27FC236}">
+                <a16:creationId xmlns:a16="http://schemas.microsoft.com/office/drawing/2014/main" id="{D38238B7-399F-0D4A-6A28-07AC99E11FDA}"/>
+              </a:ext>
+            </a:extLst>
+          </p:cNvPr>
+          <p:cNvGraphicFramePr>
+            <a:graphicFrameLocks noGrp="1"/>
+          </p:cNvGraphicFramePr>
+          <p:nvPr>
+            <p:extLst>
+              <p:ext uri="{D42A27DB-BD31-4B8C-83A1-F6EECF244321}">
+                <p14:modId xmlns:p14="http://schemas.microsoft.com/office/powerpoint/2010/main" val="2281882651"/>
+              </p:ext>
+            </p:extLst>
+          </p:nvPr>
+        </p:nvGraphicFramePr>
+        <p:xfrm>
+          <a:off x="914400" y="1397000"/>
+          <a:ext cx="7239000" cy="2392680"/>
+        </p:xfrm>
+        <a:graphic>
+          <a:graphicData uri="http://schemas.openxmlformats.org/drawingml/2006/table">
+            <a:tbl>
+              <a:tblPr firstRow="1" bandRow="1">
+                <a:tableStyleId>{5C22544A-7EE6-4342-B048-85BDC9FD1C3A}</a:tableStyleId>
+              </a:tblPr>
+              <a:tblGrid>
+                <a:gridCol w="3619500">
+                  <a:extLst>
+                    <a:ext uri="{9D8B030D-6E8A-4147-A177-3AD203B41FA5}">
+                      <a16:colId xmlns:a16="http://schemas.microsoft.com/office/drawing/2014/main" val="173383619"/>
+                    </a:ext>
+                  </a:extLst>
+                </a:gridCol>
+                <a:gridCol w="3619500">
+                  <a:extLst>
+                    <a:ext uri="{9D8B030D-6E8A-4147-A177-3AD203B41FA5}">
+                      <a16:colId xmlns:a16="http://schemas.microsoft.com/office/drawing/2014/main" val="1432772768"/>
+                    </a:ext>
+                  </a:extLst>
+                </a:gridCol>
+              </a:tblGrid>
+              <a:tr h="370840">
+                <a:tc>
+                  <a:txBody>
+                    <a:bodyPr/>
+                    <a:lstStyle/>
+                    <a:p>
+                      <a:pPr>
+                        <a:buNone/>
+                      </a:pPr>
+                      <a:r>
+                        <a:rPr lang="en-US" dirty="0"/>
+                        <a:t>Feature</a:t>
+                      </a:r>
+                    </a:p>
+                  </a:txBody>
+                  <a:tcPr anchor="ctr"/>
+                </a:tc>
+                <a:tc>
+                  <a:txBody>
+                    <a:bodyPr/>
+                    <a:lstStyle/>
+                    <a:p>
+                      <a:pPr>
+                        <a:buNone/>
+                      </a:pPr>
+                      <a:r>
+                        <a:rPr lang="en-US"/>
+                        <a:t>Description</a:t>
+                      </a:r>
+                    </a:p>
+                  </a:txBody>
+                  <a:tcPr anchor="ctr"/>
+                </a:tc>
+                <a:extLst>
+                  <a:ext uri="{0D108BD9-81ED-4DB2-BD59-A6C34878D82A}">
+                    <a16:rowId xmlns:a16="http://schemas.microsoft.com/office/drawing/2014/main" val="1387409624"/>
+                  </a:ext>
+                </a:extLst>
+              </a:tr>
+              <a:tr h="370840">
+                <a:tc>
+                  <a:txBody>
+                    <a:bodyPr/>
+                    <a:lstStyle/>
+                    <a:p>
+                      <a:pPr>
+                        <a:buNone/>
+                      </a:pPr>
+                      <a:r>
+                        <a:rPr lang="en-US" b="1"/>
+                        <a:t>Avoid Prop Drilling</a:t>
+                      </a:r>
+                      <a:endParaRPr lang="en-US"/>
+                    </a:p>
+                  </a:txBody>
+                  <a:tcPr anchor="ctr"/>
+                </a:tc>
+                <a:tc>
+                  <a:txBody>
+                    <a:bodyPr/>
+                    <a:lstStyle/>
+                    <a:p>
+                      <a:pPr>
+                        <a:buNone/>
+                      </a:pPr>
+                      <a:r>
+                        <a:rPr lang="en-US"/>
+                        <a:t>Directly access data anywhere</a:t>
+                      </a:r>
+                    </a:p>
+                  </a:txBody>
+                  <a:tcPr anchor="ctr"/>
+                </a:tc>
+                <a:extLst>
+                  <a:ext uri="{0D108BD9-81ED-4DB2-BD59-A6C34878D82A}">
+                    <a16:rowId xmlns:a16="http://schemas.microsoft.com/office/drawing/2014/main" val="2038886804"/>
+                  </a:ext>
+                </a:extLst>
+              </a:tr>
+              <a:tr h="370840">
+                <a:tc>
+                  <a:txBody>
+                    <a:bodyPr/>
+                    <a:lstStyle/>
+                    <a:p>
+                      <a:pPr>
+                        <a:buNone/>
+                      </a:pPr>
+                      <a:r>
+                        <a:rPr lang="en-US" b="1"/>
+                        <a:t>Provider</a:t>
+                      </a:r>
+                      <a:endParaRPr lang="en-US"/>
+                    </a:p>
+                  </a:txBody>
+                  <a:tcPr anchor="ctr"/>
+                </a:tc>
+                <a:tc>
+                  <a:txBody>
+                    <a:bodyPr/>
+                    <a:lstStyle/>
+                    <a:p>
+                      <a:pPr>
+                        <a:buNone/>
+                      </a:pPr>
+                      <a:r>
+                        <a:rPr lang="en-US"/>
+                        <a:t>Must wrap components that use the context</a:t>
+                      </a:r>
+                    </a:p>
+                  </a:txBody>
+                  <a:tcPr anchor="ctr"/>
+                </a:tc>
+                <a:extLst>
+                  <a:ext uri="{0D108BD9-81ED-4DB2-BD59-A6C34878D82A}">
+                    <a16:rowId xmlns:a16="http://schemas.microsoft.com/office/drawing/2014/main" val="2488734669"/>
+                  </a:ext>
+                </a:extLst>
+              </a:tr>
+              <a:tr h="370840">
+                <a:tc>
+                  <a:txBody>
+                    <a:bodyPr/>
+                    <a:lstStyle/>
+                    <a:p>
+                      <a:pPr>
+                        <a:buNone/>
+                      </a:pPr>
+                      <a:r>
+                        <a:rPr lang="en-US" b="1"/>
+                        <a:t>Multiple Contexts</a:t>
+                      </a:r>
+                      <a:endParaRPr lang="en-US"/>
+                    </a:p>
+                  </a:txBody>
+                  <a:tcPr anchor="ctr"/>
+                </a:tc>
+                <a:tc>
+                  <a:txBody>
+                    <a:bodyPr/>
+                    <a:lstStyle/>
+                    <a:p>
+                      <a:pPr>
+                        <a:buNone/>
+                      </a:pPr>
+                      <a:r>
+                        <a:rPr lang="en-US"/>
+                        <a:t>Can use multiple useContext calls</a:t>
+                      </a:r>
+                    </a:p>
+                  </a:txBody>
+                  <a:tcPr anchor="ctr"/>
+                </a:tc>
+                <a:extLst>
+                  <a:ext uri="{0D108BD9-81ED-4DB2-BD59-A6C34878D82A}">
+                    <a16:rowId xmlns:a16="http://schemas.microsoft.com/office/drawing/2014/main" val="652159566"/>
+                  </a:ext>
+                </a:extLst>
+              </a:tr>
+              <a:tr h="370840">
+                <a:tc>
+                  <a:txBody>
+                    <a:bodyPr/>
+                    <a:lstStyle/>
+                    <a:p>
+                      <a:pPr>
+                        <a:buNone/>
+                      </a:pPr>
+                      <a:r>
+                        <a:rPr lang="en-US" b="1"/>
+                        <a:t>Re-render</a:t>
+                      </a:r>
+                      <a:endParaRPr lang="en-US"/>
+                    </a:p>
+                  </a:txBody>
+                  <a:tcPr anchor="ctr"/>
+                </a:tc>
+                <a:tc>
+                  <a:txBody>
+                    <a:bodyPr/>
+                    <a:lstStyle/>
+                    <a:p>
+                      <a:pPr>
+                        <a:buNone/>
+                      </a:pPr>
+                      <a:r>
+                        <a:rPr lang="en-US" dirty="0"/>
+                        <a:t>Context value changes cause re-renders in all consumers</a:t>
+                      </a:r>
+                    </a:p>
+                  </a:txBody>
+                  <a:tcPr anchor="ctr"/>
+                </a:tc>
+                <a:extLst>
+                  <a:ext uri="{0D108BD9-81ED-4DB2-BD59-A6C34878D82A}">
+                    <a16:rowId xmlns:a16="http://schemas.microsoft.com/office/drawing/2014/main" val="1759970868"/>
+                  </a:ext>
+                </a:extLst>
+              </a:tr>
+            </a:tbl>
+          </a:graphicData>
+        </a:graphic>
+      </p:graphicFrame>
     </p:spTree>
     <p:extLst>
       <p:ext uri="{BB962C8B-B14F-4D97-AF65-F5344CB8AC3E}">
@@ -9605,7 +9686,7 @@
         </p:spPr>
         <p:txBody>
           <a:bodyPr vert="horz" lIns="91440" tIns="45720" rIns="91440" bIns="45720" rtlCol="0">
-            <a:normAutofit/>
+            <a:normAutofit fontScale="92500" lnSpcReduction="20000"/>
           </a:bodyPr>
           <a:lstStyle/>
           <a:p>
@@ -9661,78 +9742,7 @@
               <a:buChar char="§"/>
             </a:pPr>
             <a:r>
-              <a:rPr lang="en-US" sz="2000" b="0" i="0" dirty="0">
-                <a:solidFill>
-                  <a:srgbClr val="273239"/>
-                </a:solidFill>
-                <a:effectLst/>
-                <a:highlight>
-                  <a:srgbClr val="FFFFFF"/>
-                </a:highlight>
-                <a:latin typeface="Nunito" pitchFamily="2" charset="0"/>
-              </a:rPr>
-              <a:t>The useContext hook is the new addition in React 16.8. </a:t>
-            </a:r>
-            <a:endParaRPr lang="en-US" sz="2000" b="0" i="0" dirty="0">
-              <a:solidFill>
-                <a:schemeClr val="tx1">
-                  <a:lumMod val="65000"/>
-                  <a:lumOff val="35000"/>
-                </a:schemeClr>
-              </a:solidFill>
-              <a:effectLst/>
-              <a:highlight>
-                <a:srgbClr val="FFFFFF"/>
-              </a:highlight>
-              <a:latin typeface="Arial" pitchFamily="34" charset="0"/>
-              <a:cs typeface="Arial" pitchFamily="34" charset="0"/>
-            </a:endParaRPr>
-          </a:p>
-          <a:p>
-            <a:pPr marL="457200" indent="-457200">
-              <a:spcAft>
-                <a:spcPts val="1200"/>
-              </a:spcAft>
-              <a:buFont typeface="Wingdings" pitchFamily="2" charset="2"/>
-              <a:buChar char="§"/>
-            </a:pPr>
-            <a:r>
-              <a:rPr lang="en-US" sz="2000" b="0" i="0" dirty="0">
-                <a:solidFill>
-                  <a:srgbClr val="273239"/>
-                </a:solidFill>
-                <a:effectLst/>
-                <a:highlight>
-                  <a:srgbClr val="FFFFFF"/>
-                </a:highlight>
-                <a:latin typeface="Nunito" pitchFamily="2" charset="0"/>
-              </a:rPr>
-              <a:t>useContext hook helps to make the code more readable, less verbose and removes the need to introduce Consumer Component.</a:t>
-            </a:r>
-            <a:endParaRPr lang="en-US" sz="2000" dirty="0">
-              <a:solidFill>
-                <a:schemeClr val="tx1">
-                  <a:lumMod val="65000"/>
-                  <a:lumOff val="35000"/>
-                </a:schemeClr>
-              </a:solidFill>
-              <a:highlight>
-                <a:srgbClr val="FFFFFF"/>
-              </a:highlight>
-              <a:latin typeface="Arial" pitchFamily="34" charset="0"/>
-              <a:cs typeface="Arial" pitchFamily="34" charset="0"/>
-            </a:endParaRPr>
-          </a:p>
-          <a:p>
-            <a:pPr marL="457200" indent="-457200">
-              <a:spcAft>
-                <a:spcPts val="1200"/>
-              </a:spcAft>
-              <a:buFont typeface="Wingdings" pitchFamily="2" charset="2"/>
-              <a:buChar char="§"/>
-            </a:pPr>
-            <a:r>
-              <a:rPr lang="en-US" sz="2000">
+              <a:rPr lang="en-US" sz="2000" dirty="0" err="1">
                 <a:solidFill>
                   <a:schemeClr val="tx1">
                     <a:lumMod val="65000"/>
@@ -9742,7 +9752,183 @@
                 <a:latin typeface="Arial" pitchFamily="34" charset="0"/>
                 <a:cs typeface="Arial" pitchFamily="34" charset="0"/>
               </a:rPr>
-              <a:t>Syntax:</a:t>
+              <a:t>useContext</a:t>
+            </a:r>
+            <a:r>
+              <a:rPr lang="en-US" sz="2000" dirty="0">
+                <a:solidFill>
+                  <a:schemeClr val="tx1">
+                    <a:lumMod val="65000"/>
+                    <a:lumOff val="35000"/>
+                  </a:schemeClr>
+                </a:solidFill>
+                <a:latin typeface="Arial" pitchFamily="34" charset="0"/>
+                <a:cs typeface="Arial" pitchFamily="34" charset="0"/>
+              </a:rPr>
+              <a:t> </a:t>
+            </a:r>
+            <a:r>
+              <a:rPr lang="en-US" sz="2000" dirty="0"/>
+              <a:t>is a React Hook that allows you to </a:t>
+            </a:r>
+            <a:r>
+              <a:rPr lang="en-US" sz="2000" b="1" dirty="0"/>
+              <a:t>share data between components</a:t>
+            </a:r>
+            <a:r>
+              <a:rPr lang="en-US" sz="2000" dirty="0"/>
+              <a:t> without manually passing props down through every level (</a:t>
+            </a:r>
+            <a:r>
+              <a:rPr lang="en-US" sz="2000" b="1" dirty="0"/>
+              <a:t>prop drilling</a:t>
+            </a:r>
+            <a:r>
+              <a:rPr lang="en-US" sz="2000" dirty="0"/>
+              <a:t>).</a:t>
+            </a:r>
+          </a:p>
+          <a:p>
+            <a:pPr marL="457200" indent="-457200">
+              <a:spcAft>
+                <a:spcPts val="1200"/>
+              </a:spcAft>
+              <a:buFont typeface="Wingdings" pitchFamily="2" charset="2"/>
+              <a:buChar char="§"/>
+            </a:pPr>
+            <a:r>
+              <a:rPr lang="en-US" sz="2000" dirty="0"/>
+              <a:t>📦 </a:t>
+            </a:r>
+            <a:r>
+              <a:rPr lang="en-US" sz="2000" b="1" dirty="0"/>
+              <a:t>Why use it?</a:t>
+            </a:r>
+          </a:p>
+          <a:p>
+            <a:pPr marL="457200" indent="-457200">
+              <a:spcAft>
+                <a:spcPts val="1200"/>
+              </a:spcAft>
+              <a:buFont typeface="Wingdings" pitchFamily="2" charset="2"/>
+              <a:buChar char="§"/>
+            </a:pPr>
+            <a:r>
+              <a:rPr lang="en-US" sz="2000" b="1" dirty="0">
+                <a:solidFill>
+                  <a:schemeClr val="tx1">
+                    <a:lumMod val="65000"/>
+                    <a:lumOff val="35000"/>
+                  </a:schemeClr>
+                </a:solidFill>
+                <a:latin typeface="Arial" pitchFamily="34" charset="0"/>
+                <a:cs typeface="Arial" pitchFamily="34" charset="0"/>
+              </a:rPr>
+              <a:t>Without </a:t>
+            </a:r>
+            <a:r>
+              <a:rPr lang="en-US" sz="2000" dirty="0" err="1"/>
+              <a:t>useContext</a:t>
+            </a:r>
+            <a:r>
+              <a:rPr lang="en-US" sz="2000" dirty="0"/>
+              <a:t>:</a:t>
+            </a:r>
+          </a:p>
+          <a:p>
+            <a:pPr marL="457200" indent="-457200">
+              <a:spcAft>
+                <a:spcPts val="1200"/>
+              </a:spcAft>
+              <a:buFont typeface="Wingdings" pitchFamily="2" charset="2"/>
+              <a:buChar char="§"/>
+            </a:pPr>
+            <a:r>
+              <a:rPr lang="en-US" sz="2000" dirty="0"/>
+              <a:t>If you have a </a:t>
+            </a:r>
+            <a:r>
+              <a:rPr lang="en-US" sz="2000" b="1" dirty="0"/>
+              <a:t>theme</a:t>
+            </a:r>
+            <a:r>
+              <a:rPr lang="en-US" sz="2000" dirty="0"/>
+              <a:t>, </a:t>
+            </a:r>
+            <a:r>
+              <a:rPr lang="en-US" sz="2000" b="1" dirty="0"/>
+              <a:t>user info</a:t>
+            </a:r>
+            <a:r>
+              <a:rPr lang="en-US" sz="2000" dirty="0"/>
+              <a:t>, or </a:t>
+            </a:r>
+            <a:r>
+              <a:rPr lang="en-US" sz="2000" b="1" dirty="0"/>
+              <a:t>language settings</a:t>
+            </a:r>
+            <a:r>
+              <a:rPr lang="en-US" sz="2000" dirty="0"/>
+              <a:t>, you would pass them through every child component manually → </a:t>
+            </a:r>
+            <a:r>
+              <a:rPr lang="en-US" sz="2000" b="1" dirty="0"/>
+              <a:t>prop drilling</a:t>
+            </a:r>
+            <a:r>
+              <a:rPr lang="en-US" sz="2000" dirty="0"/>
+              <a:t>.</a:t>
+            </a:r>
+          </a:p>
+          <a:p>
+            <a:pPr marL="457200" indent="-457200">
+              <a:spcAft>
+                <a:spcPts val="1200"/>
+              </a:spcAft>
+              <a:buFont typeface="Wingdings" pitchFamily="2" charset="2"/>
+              <a:buChar char="§"/>
+            </a:pPr>
+            <a:r>
+              <a:rPr lang="en-US" sz="2000" b="1" dirty="0">
+                <a:solidFill>
+                  <a:schemeClr val="tx1">
+                    <a:lumMod val="65000"/>
+                    <a:lumOff val="35000"/>
+                  </a:schemeClr>
+                </a:solidFill>
+                <a:latin typeface="Arial" pitchFamily="34" charset="0"/>
+                <a:cs typeface="Arial" pitchFamily="34" charset="0"/>
+              </a:rPr>
+              <a:t>With </a:t>
+            </a:r>
+            <a:r>
+              <a:rPr lang="en-US" sz="2000" dirty="0" err="1"/>
+              <a:t>useContext</a:t>
+            </a:r>
+            <a:r>
+              <a:rPr lang="en-US" sz="2000" dirty="0"/>
+              <a:t>:</a:t>
+            </a:r>
+          </a:p>
+          <a:p>
+            <a:pPr marL="457200" indent="-457200">
+              <a:spcAft>
+                <a:spcPts val="1200"/>
+              </a:spcAft>
+              <a:buFont typeface="Wingdings" pitchFamily="2" charset="2"/>
+              <a:buChar char="§"/>
+            </a:pPr>
+            <a:r>
+              <a:rPr lang="en-US" sz="2000" dirty="0"/>
+              <a:t>Components can </a:t>
+            </a:r>
+            <a:r>
+              <a:rPr lang="en-US" sz="2000" b="1" dirty="0"/>
+              <a:t>directly access the shared data</a:t>
+            </a:r>
+            <a:r>
+              <a:rPr lang="en-US" sz="2000" dirty="0"/>
+              <a:t> from anywhere in the tree.</a:t>
             </a:r>
             <a:endParaRPr lang="en-US" sz="2000" dirty="0">
               <a:solidFill>
@@ -9774,10 +9960,19 @@
                 <a:latin typeface="Arial" pitchFamily="34" charset="0"/>
                 <a:cs typeface="Arial" pitchFamily="34" charset="0"/>
               </a:rPr>
-              <a:t>const </a:t>
-            </a:r>
-            <a:r>
-              <a:rPr lang="en-US" sz="2000" dirty="0" err="1">
+              <a:t>Syntax:</a:t>
+            </a:r>
+          </a:p>
+          <a:p>
+            <a:pPr marL="457200" indent="-457200">
+              <a:spcAft>
+                <a:spcPts val="1200"/>
+              </a:spcAft>
+              <a:buFont typeface="Wingdings" pitchFamily="2" charset="2"/>
+              <a:buChar char="§"/>
+            </a:pPr>
+            <a:r>
+              <a:rPr lang="en-US" sz="2000" dirty="0">
                 <a:solidFill>
                   <a:schemeClr val="tx1">
                     <a:lumMod val="65000"/>
@@ -9787,10 +9982,10 @@
                 <a:latin typeface="Arial" pitchFamily="34" charset="0"/>
                 <a:cs typeface="Arial" pitchFamily="34" charset="0"/>
               </a:rPr>
-              <a:t>authContext</a:t>
-            </a:r>
-            <a:r>
-              <a:rPr lang="en-US" sz="2000" dirty="0">
+              <a:t>const value = </a:t>
+            </a:r>
+            <a:r>
+              <a:rPr lang="en-US" sz="2000" dirty="0" err="1">
                 <a:solidFill>
                   <a:schemeClr val="tx1">
                     <a:lumMod val="65000"/>
@@ -9800,10 +9995,10 @@
                 <a:latin typeface="Arial" pitchFamily="34" charset="0"/>
                 <a:cs typeface="Arial" pitchFamily="34" charset="0"/>
               </a:rPr>
-              <a:t> = useContext(</a:t>
-            </a:r>
-            <a:r>
-              <a:rPr lang="en-US" sz="2000" dirty="0" err="1">
+              <a:t>useContext</a:t>
+            </a:r>
+            <a:r>
+              <a:rPr lang="en-US" sz="2000" dirty="0">
                 <a:solidFill>
                   <a:schemeClr val="tx1">
                     <a:lumMod val="65000"/>
@@ -9813,10 +10008,10 @@
                 <a:latin typeface="Arial" pitchFamily="34" charset="0"/>
                 <a:cs typeface="Arial" pitchFamily="34" charset="0"/>
               </a:rPr>
-              <a:t>initialValue</a:t>
-            </a:r>
-            <a:r>
-              <a:rPr lang="en-US" sz="2000" dirty="0">
+              <a:t>(</a:t>
+            </a:r>
+            <a:r>
+              <a:rPr lang="en-US" sz="2000" dirty="0" err="1">
                 <a:solidFill>
                   <a:schemeClr val="tx1">
                     <a:lumMod val="65000"/>
@@ -9826,7 +10021,103 @@
                 <a:latin typeface="Arial" pitchFamily="34" charset="0"/>
                 <a:cs typeface="Arial" pitchFamily="34" charset="0"/>
               </a:rPr>
+              <a:t>mycontext</a:t>
+            </a:r>
+            <a:r>
+              <a:rPr lang="en-US" sz="2000" dirty="0">
+                <a:solidFill>
+                  <a:schemeClr val="tx1">
+                    <a:lumMod val="65000"/>
+                    <a:lumOff val="35000"/>
+                  </a:schemeClr>
+                </a:solidFill>
+                <a:latin typeface="Arial" pitchFamily="34" charset="0"/>
+                <a:cs typeface="Arial" pitchFamily="34" charset="0"/>
+              </a:rPr>
               <a:t>);</a:t>
+            </a:r>
+          </a:p>
+          <a:p>
+            <a:pPr marL="457200" indent="-457200">
+              <a:spcAft>
+                <a:spcPts val="1200"/>
+              </a:spcAft>
+              <a:buFont typeface="Wingdings" pitchFamily="2" charset="2"/>
+              <a:buChar char="§"/>
+            </a:pPr>
+            <a:r>
+              <a:rPr lang="en-US" sz="2000" dirty="0" err="1">
+                <a:solidFill>
+                  <a:schemeClr val="tx1">
+                    <a:lumMod val="65000"/>
+                    <a:lumOff val="35000"/>
+                  </a:schemeClr>
+                </a:solidFill>
+                <a:latin typeface="Arial" pitchFamily="34" charset="0"/>
+                <a:cs typeface="Arial" pitchFamily="34" charset="0"/>
+              </a:rPr>
+              <a:t>MyContext</a:t>
+            </a:r>
+            <a:r>
+              <a:rPr lang="en-US" sz="2000" dirty="0">
+                <a:solidFill>
+                  <a:schemeClr val="tx1">
+                    <a:lumMod val="65000"/>
+                    <a:lumOff val="35000"/>
+                  </a:schemeClr>
+                </a:solidFill>
+                <a:latin typeface="Arial" pitchFamily="34" charset="0"/>
+                <a:cs typeface="Arial" pitchFamily="34" charset="0"/>
+              </a:rPr>
+              <a:t> → created using </a:t>
+            </a:r>
+            <a:r>
+              <a:rPr lang="en-US" sz="2000" dirty="0" err="1">
+                <a:solidFill>
+                  <a:schemeClr val="tx1">
+                    <a:lumMod val="65000"/>
+                    <a:lumOff val="35000"/>
+                  </a:schemeClr>
+                </a:solidFill>
+                <a:latin typeface="Arial" pitchFamily="34" charset="0"/>
+                <a:cs typeface="Arial" pitchFamily="34" charset="0"/>
+              </a:rPr>
+              <a:t>React.createContext</a:t>
+            </a:r>
+            <a:r>
+              <a:rPr lang="en-US" sz="2000" dirty="0">
+                <a:solidFill>
+                  <a:schemeClr val="tx1">
+                    <a:lumMod val="65000"/>
+                    <a:lumOff val="35000"/>
+                  </a:schemeClr>
+                </a:solidFill>
+                <a:latin typeface="Arial" pitchFamily="34" charset="0"/>
+                <a:cs typeface="Arial" pitchFamily="34" charset="0"/>
+              </a:rPr>
+              <a:t>()</a:t>
+            </a:r>
+          </a:p>
+          <a:p>
+            <a:pPr marL="457200" indent="-457200">
+              <a:spcAft>
+                <a:spcPts val="1200"/>
+              </a:spcAft>
+              <a:buFont typeface="Wingdings" pitchFamily="2" charset="2"/>
+              <a:buChar char="§"/>
+            </a:pPr>
+            <a:r>
+              <a:rPr lang="en-US" sz="2000" dirty="0">
+                <a:solidFill>
+                  <a:schemeClr val="tx1">
+                    <a:lumMod val="65000"/>
+                    <a:lumOff val="35000"/>
+                  </a:schemeClr>
+                </a:solidFill>
+                <a:latin typeface="Arial" pitchFamily="34" charset="0"/>
+                <a:cs typeface="Arial" pitchFamily="34" charset="0"/>
+              </a:rPr>
+              <a:t>value → the nearest provider's value</a:t>
             </a:r>
           </a:p>
           <a:p>
